--- a/sample/ru-RU/my/ONLYOFFICE Sample Presentation.pptx
+++ b/sample/ru-RU/my/ONLYOFFICE Sample Presentation.pptx
@@ -5,17 +5,17 @@
     <p:sldMasterId id="2147483648" r:id="rId1"/>
   </p:sldMasterIdLst>
   <p:notesMasterIdLst>
-    <p:notesMasterId r:id="rId11"/>
+    <p:notesMasterId r:id="rId10"/>
   </p:notesMasterIdLst>
   <p:sldIdLst>
-    <p:sldId id="256" r:id="rId3"/>
-    <p:sldId id="257" r:id="rId4"/>
-    <p:sldId id="258" r:id="rId5"/>
-    <p:sldId id="259" r:id="rId6"/>
-    <p:sldId id="260" r:id="rId7"/>
-    <p:sldId id="261" r:id="rId8"/>
-    <p:sldId id="262" r:id="rId9"/>
-    <p:sldId id="263" r:id="rId10"/>
+    <p:sldId id="256" r:id="rId2"/>
+    <p:sldId id="257" r:id="rId3"/>
+    <p:sldId id="258" r:id="rId4"/>
+    <p:sldId id="259" r:id="rId5"/>
+    <p:sldId id="260" r:id="rId6"/>
+    <p:sldId id="261" r:id="rId7"/>
+    <p:sldId id="262" r:id="rId8"/>
+    <p:sldId id="263" r:id="rId9"/>
   </p:sldIdLst>
   <p:sldSz cx="9144000" cy="6858000" type="screen4x3"/>
   <p:notesSz cx="6858000" cy="9144000"/>
@@ -96,6 +96,22 @@
       </a:defRPr>
     </a:lvl9pPr>
   </p:defaultTextStyle>
+  <p:extLst>
+    <p:ext uri="{EFAFB233-063F-42B5-8137-9DF3F51BA10A}">
+      <p15:sldGuideLst xmlns:p15="http://schemas.microsoft.com/office/powerpoint/2012/main">
+        <p15:guide id="1" orient="horz" pos="2160">
+          <p15:clr>
+            <a:srgbClr val="A4A3A4"/>
+          </p15:clr>
+        </p15:guide>
+        <p15:guide id="2" pos="2880">
+          <p15:clr>
+            <a:srgbClr val="A4A3A4"/>
+          </p15:clr>
+        </p15:guide>
+      </p15:sldGuideLst>
+    </p:ext>
+  </p:extLst>
 </p:presentation>
 </file>
 
@@ -142,7 +158,6 @@
           <a:prstGeom prst="rect">
             <a:avLst/>
           </a:prstGeom>
-          <a:extLst/>
         </p:spPr>
         <p:txBody>
           <a:bodyPr/>
@@ -305,9 +320,9 @@
       </p:grpSpPr>
       <p:sp>
         <p:nvSpPr>
-          <p:cNvPr id="100000" name=""/>
+          <p:cNvPr id="100000" name="Notes Placeholder 99999"/>
           <p:cNvSpPr>
-            <a:spLocks noChangeArrowheads="1" noGrp="1"/>
+            <a:spLocks noGrp="1" noChangeArrowheads="1"/>
           </p:cNvSpPr>
           <p:nvPr>
             <p:ph type="body" idx="1"/>
@@ -316,11 +331,9 @@
         <p:spPr/>
         <p:txBody>
           <a:bodyPr/>
-          <a:p>
-            <a:r>
-              <a:rPr smtClean="0"/>
-              <a:t/>
-            </a:r>
+          <a:lstStyle/>
+          <a:p>
+            <a:endParaRPr/>
           </a:p>
         </p:txBody>
       </p:sp>
@@ -351,9 +364,9 @@
       </p:grpSpPr>
       <p:sp>
         <p:nvSpPr>
-          <p:cNvPr id="100000" name=""/>
+          <p:cNvPr id="100000" name="Notes Placeholder 99999"/>
           <p:cNvSpPr>
-            <a:spLocks noChangeArrowheads="1" noGrp="1"/>
+            <a:spLocks noGrp="1" noChangeArrowheads="1"/>
           </p:cNvSpPr>
           <p:nvPr>
             <p:ph type="body" idx="1"/>
@@ -362,11 +375,9 @@
         <p:spPr/>
         <p:txBody>
           <a:bodyPr/>
-          <a:p>
-            <a:r>
-              <a:rPr smtClean="0"/>
-              <a:t/>
-            </a:r>
+          <a:lstStyle/>
+          <a:p>
+            <a:endParaRPr/>
           </a:p>
         </p:txBody>
       </p:sp>
@@ -397,9 +408,9 @@
       </p:grpSpPr>
       <p:sp>
         <p:nvSpPr>
-          <p:cNvPr id="100000" name=""/>
+          <p:cNvPr id="100000" name="Notes Placeholder 99999"/>
           <p:cNvSpPr>
-            <a:spLocks noChangeArrowheads="1" noGrp="1"/>
+            <a:spLocks noGrp="1" noChangeArrowheads="1"/>
           </p:cNvSpPr>
           <p:nvPr>
             <p:ph type="body" idx="1"/>
@@ -408,11 +419,9 @@
         <p:spPr/>
         <p:txBody>
           <a:bodyPr/>
-          <a:p>
-            <a:r>
-              <a:rPr smtClean="0"/>
-              <a:t/>
-            </a:r>
+          <a:lstStyle/>
+          <a:p>
+            <a:endParaRPr/>
           </a:p>
         </p:txBody>
       </p:sp>
@@ -443,9 +452,9 @@
       </p:grpSpPr>
       <p:sp>
         <p:nvSpPr>
-          <p:cNvPr id="100000" name=""/>
+          <p:cNvPr id="100000" name="Notes Placeholder 99999"/>
           <p:cNvSpPr>
-            <a:spLocks noChangeArrowheads="1" noGrp="1"/>
+            <a:spLocks noGrp="1" noChangeArrowheads="1"/>
           </p:cNvSpPr>
           <p:nvPr>
             <p:ph type="body" idx="1"/>
@@ -454,11 +463,9 @@
         <p:spPr/>
         <p:txBody>
           <a:bodyPr/>
-          <a:p>
-            <a:r>
-              <a:rPr smtClean="0"/>
-              <a:t/>
-            </a:r>
+          <a:lstStyle/>
+          <a:p>
+            <a:endParaRPr/>
           </a:p>
         </p:txBody>
       </p:sp>
@@ -489,9 +496,9 @@
       </p:grpSpPr>
       <p:sp>
         <p:nvSpPr>
-          <p:cNvPr id="100000" name=""/>
+          <p:cNvPr id="100000" name="Notes Placeholder 99999"/>
           <p:cNvSpPr>
-            <a:spLocks noChangeArrowheads="1" noGrp="1"/>
+            <a:spLocks noGrp="1" noChangeArrowheads="1"/>
           </p:cNvSpPr>
           <p:nvPr>
             <p:ph type="body" idx="1"/>
@@ -500,11 +507,9 @@
         <p:spPr/>
         <p:txBody>
           <a:bodyPr/>
-          <a:p>
-            <a:r>
-              <a:rPr smtClean="0"/>
-              <a:t/>
-            </a:r>
+          <a:lstStyle/>
+          <a:p>
+            <a:endParaRPr/>
           </a:p>
         </p:txBody>
       </p:sp>
@@ -535,9 +540,9 @@
       </p:grpSpPr>
       <p:sp>
         <p:nvSpPr>
-          <p:cNvPr id="100000" name=""/>
+          <p:cNvPr id="100000" name="Notes Placeholder 99999"/>
           <p:cNvSpPr>
-            <a:spLocks noChangeArrowheads="1" noGrp="1"/>
+            <a:spLocks noGrp="1" noChangeArrowheads="1"/>
           </p:cNvSpPr>
           <p:nvPr>
             <p:ph type="body" idx="1"/>
@@ -546,11 +551,9 @@
         <p:spPr/>
         <p:txBody>
           <a:bodyPr/>
-          <a:p>
-            <a:r>
-              <a:rPr smtClean="0"/>
-              <a:t/>
-            </a:r>
+          <a:lstStyle/>
+          <a:p>
+            <a:endParaRPr/>
           </a:p>
         </p:txBody>
       </p:sp>
@@ -581,9 +584,9 @@
       </p:grpSpPr>
       <p:sp>
         <p:nvSpPr>
-          <p:cNvPr id="100000" name=""/>
+          <p:cNvPr id="100000" name="Notes Placeholder 99999"/>
           <p:cNvSpPr>
-            <a:spLocks noChangeArrowheads="1" noGrp="1"/>
+            <a:spLocks noGrp="1" noChangeArrowheads="1"/>
           </p:cNvSpPr>
           <p:nvPr>
             <p:ph type="body" idx="1"/>
@@ -592,11 +595,9 @@
         <p:spPr/>
         <p:txBody>
           <a:bodyPr/>
-          <a:p>
-            <a:r>
-              <a:rPr smtClean="0"/>
-              <a:t/>
-            </a:r>
+          <a:lstStyle/>
+          <a:p>
+            <a:endParaRPr/>
           </a:p>
         </p:txBody>
       </p:sp>
@@ -627,9 +628,9 @@
       </p:grpSpPr>
       <p:sp>
         <p:nvSpPr>
-          <p:cNvPr id="100000" name=""/>
+          <p:cNvPr id="100000" name="Notes Placeholder 99999"/>
           <p:cNvSpPr>
-            <a:spLocks noChangeArrowheads="1" noGrp="1"/>
+            <a:spLocks noGrp="1" noChangeArrowheads="1"/>
           </p:cNvSpPr>
           <p:nvPr>
             <p:ph type="body" idx="1"/>
@@ -638,11 +639,9 @@
         <p:spPr/>
         <p:txBody>
           <a:bodyPr/>
-          <a:p>
-            <a:r>
-              <a:rPr smtClean="0"/>
-              <a:t/>
-            </a:r>
+          <a:lstStyle/>
+          <a:p>
+            <a:endParaRPr/>
           </a:p>
         </p:txBody>
       </p:sp>
@@ -723,10 +722,6 @@
             <a:fld id="{8EC678CE-9857-4734-9115-53321CEB7787}" type="datetimeFigureOut">
               <a:t>3/27/2014</a:t>
             </a:fld>
-            <a:r>
-              <a:rPr/>
-              <a:t>27.03.201422.04.201423.04.201424.06.2014</a:t>
-            </a:r>
             <a:endParaRPr/>
           </a:p>
         </p:txBody>
@@ -779,7 +774,6 @@
   <p:clrMapOvr>
     <a:masterClrMapping/>
   </p:clrMapOvr>
-  <p:hf dt="1" ftr="1" hdr="1" sldNum="1"/>
 </p:sldLayout>
 </file>
 
@@ -907,10 +901,6 @@
             <a:fld id="{8EC678CE-9857-4734-9115-53321CEB7787}" type="datetimeFigureOut">
               <a:t>3/27/2014</a:t>
             </a:fld>
-            <a:r>
-              <a:rPr/>
-              <a:t>27.03.201422.04.201423.04.201424.06.2014</a:t>
-            </a:r>
             <a:endParaRPr/>
           </a:p>
         </p:txBody>
@@ -963,7 +953,6 @@
   <p:clrMapOvr>
     <a:masterClrMapping/>
   </p:clrMapOvr>
-  <p:hf dt="1" ftr="1" hdr="1" sldNum="1"/>
 </p:sldLayout>
 </file>
 
@@ -1101,10 +1090,6 @@
             <a:fld id="{8EC678CE-9857-4734-9115-53321CEB7787}" type="datetimeFigureOut">
               <a:t>3/27/2014</a:t>
             </a:fld>
-            <a:r>
-              <a:rPr/>
-              <a:t>27.03.201422.04.201423.04.201424.06.2014</a:t>
-            </a:r>
             <a:endParaRPr/>
           </a:p>
         </p:txBody>
@@ -1157,7 +1142,6 @@
   <p:clrMapOvr>
     <a:masterClrMapping/>
   </p:clrMapOvr>
-  <p:hf dt="1" ftr="1" hdr="1" sldNum="1"/>
 </p:sldLayout>
 </file>
 
@@ -1285,10 +1269,6 @@
             <a:fld id="{8EC678CE-9857-4734-9115-53321CEB7787}" type="datetimeFigureOut">
               <a:t>3/27/2014</a:t>
             </a:fld>
-            <a:r>
-              <a:rPr/>
-              <a:t>27.03.201422.04.201423.04.201424.06.2014</a:t>
-            </a:r>
             <a:endParaRPr/>
           </a:p>
         </p:txBody>
@@ -1341,7 +1321,6 @@
   <p:clrMapOvr>
     <a:masterClrMapping/>
   </p:clrMapOvr>
-  <p:hf dt="1" ftr="1" hdr="1" sldNum="1"/>
 </p:sldLayout>
 </file>
 
@@ -1532,10 +1511,6 @@
             <a:fld id="{8EC678CE-9857-4734-9115-53321CEB7787}" type="datetimeFigureOut">
               <a:t>3/27/2014</a:t>
             </a:fld>
-            <a:r>
-              <a:rPr/>
-              <a:t>27.03.201422.04.201423.04.201424.06.2014</a:t>
-            </a:r>
             <a:endParaRPr/>
           </a:p>
         </p:txBody>
@@ -1588,7 +1563,6 @@
   <p:clrMapOvr>
     <a:masterClrMapping/>
   </p:clrMapOvr>
-  <p:hf dt="1" ftr="1" hdr="1" sldNum="1"/>
 </p:sldLayout>
 </file>
 
@@ -1790,10 +1764,6 @@
             <a:fld id="{8EC678CE-9857-4734-9115-53321CEB7787}" type="datetimeFigureOut">
               <a:t>3/27/2014</a:t>
             </a:fld>
-            <a:r>
-              <a:rPr/>
-              <a:t>27.03.201422.04.201423.04.201424.06.2014</a:t>
-            </a:r>
             <a:endParaRPr/>
           </a:p>
         </p:txBody>
@@ -1846,7 +1816,6 @@
   <p:clrMapOvr>
     <a:masterClrMapping/>
   </p:clrMapOvr>
-  <p:hf dt="1" ftr="1" hdr="1" sldNum="1"/>
 </p:sldLayout>
 </file>
 
@@ -2185,10 +2154,6 @@
             <a:fld id="{8EC678CE-9857-4734-9115-53321CEB7787}" type="datetimeFigureOut">
               <a:t>3/27/2014</a:t>
             </a:fld>
-            <a:r>
-              <a:rPr/>
-              <a:t>27.03.201422.04.201423.04.201424.06.2014</a:t>
-            </a:r>
             <a:endParaRPr/>
           </a:p>
         </p:txBody>
@@ -2241,7 +2206,6 @@
   <p:clrMapOvr>
     <a:masterClrMapping/>
   </p:clrMapOvr>
-  <p:hf dt="1" ftr="1" hdr="1" sldNum="1"/>
 </p:sldLayout>
 </file>
 
@@ -2305,10 +2269,6 @@
             <a:fld id="{8EC678CE-9857-4734-9115-53321CEB7787}" type="datetimeFigureOut">
               <a:t>3/27/2014</a:t>
             </a:fld>
-            <a:r>
-              <a:rPr/>
-              <a:t>27.03.201422.04.201423.04.201424.06.2014</a:t>
-            </a:r>
             <a:endParaRPr/>
           </a:p>
         </p:txBody>
@@ -2361,7 +2321,6 @@
   <p:clrMapOvr>
     <a:masterClrMapping/>
   </p:clrMapOvr>
-  <p:hf dt="1" ftr="1" hdr="1" sldNum="1"/>
 </p:sldLayout>
 </file>
 
@@ -2401,10 +2360,6 @@
             <a:fld id="{8EC678CE-9857-4734-9115-53321CEB7787}" type="datetimeFigureOut">
               <a:t>3/27/2014</a:t>
             </a:fld>
-            <a:r>
-              <a:rPr/>
-              <a:t>27.03.201422.04.201423.04.201424.06.2014</a:t>
-            </a:r>
             <a:endParaRPr/>
           </a:p>
         </p:txBody>
@@ -2457,7 +2412,6 @@
   <p:clrMapOvr>
     <a:masterClrMapping/>
   </p:clrMapOvr>
-  <p:hf dt="1" ftr="1" hdr="1" sldNum="1"/>
 </p:sldLayout>
 </file>
 
@@ -2693,10 +2647,6 @@
             <a:fld id="{8EC678CE-9857-4734-9115-53321CEB7787}" type="datetimeFigureOut">
               <a:t>3/27/2014</a:t>
             </a:fld>
-            <a:r>
-              <a:rPr/>
-              <a:t>27.03.201422.04.201423.04.201424.06.2014</a:t>
-            </a:r>
             <a:endParaRPr/>
           </a:p>
         </p:txBody>
@@ -2749,7 +2699,6 @@
   <p:clrMapOvr>
     <a:masterClrMapping/>
   </p:clrMapOvr>
-  <p:hf dt="1" ftr="1" hdr="1" sldNum="1"/>
 </p:sldLayout>
 </file>
 
@@ -2954,10 +2903,6 @@
             <a:fld id="{8EC678CE-9857-4734-9115-53321CEB7787}" type="datetimeFigureOut">
               <a:t>3/27/2014</a:t>
             </a:fld>
-            <a:r>
-              <a:rPr/>
-              <a:t>27.03.201422.04.201423.04.201424.06.2014</a:t>
-            </a:r>
             <a:endParaRPr/>
           </a:p>
         </p:txBody>
@@ -3010,7 +2955,6 @@
   <p:clrMapOvr>
     <a:masterClrMapping/>
   </p:clrMapOvr>
-  <p:hf dt="1" ftr="1" hdr="1" sldNum="1"/>
 </p:sldLayout>
 </file>
 
@@ -3279,7 +3223,6 @@
     <p:sldLayoutId id="2147483658" r:id="rId10"/>
     <p:sldLayoutId id="2147483659" r:id="rId11"/>
   </p:sldLayoutIdLst>
-  <p:hf dt="1" ftr="1" hdr="1" sldNum="1"/>
   <p:txStyles>
     <p:titleStyle>
       <a:lvl1pPr algn="l">
@@ -3526,21 +3469,22 @@
 </file>
 
 <file path=ppt/slides/slide1.xml><?xml version="1.0" encoding="utf-8"?>
-<p:sld xmlns:a="http://schemas.openxmlformats.org/drawingml/2006/main" xmlns:r="http://schemas.openxmlformats.org/officeDocument/2006/relationships" xmlns:p="http://schemas.openxmlformats.org/presentationml/2006/main" showMasterPhAnim="0" show="1">
-  <p:cSld name="">
+<p:sld xmlns:a="http://schemas.openxmlformats.org/drawingml/2006/main" xmlns:r="http://schemas.openxmlformats.org/officeDocument/2006/relationships" xmlns:p="http://schemas.openxmlformats.org/presentationml/2006/main" showMasterPhAnim="0">
+  <p:cSld>
     <p:bg>
-      <p:bgPr shadeToTitle="0">
+      <p:bgPr>
         <a:blipFill>
           <a:blip r:embed="rId3"/>
           <a:stretch/>
         </a:blipFill>
+        <a:effectLst/>
       </p:bgPr>
     </p:bg>
     <p:spTree>
       <p:nvGrpSpPr>
         <p:cNvPr id="1" name=""/>
         <p:cNvGrpSpPr/>
-        <p:nvPr isPhoto="0" userDrawn="0"/>
+        <p:nvPr/>
       </p:nvGrpSpPr>
       <p:grpSpPr bwMode="auto">
         <a:xfrm>
@@ -3553,9 +3497,11 @@
       <p:sp>
         <p:nvSpPr>
           <p:cNvPr id="2" name="Title 1"/>
-          <p:cNvSpPr/>
-          <p:nvPr isPhoto="0" userDrawn="0">
-            <p:ph type="ctrTitle" hasCustomPrompt="0"/>
+          <p:cNvSpPr>
+            <a:spLocks noGrp="1"/>
+          </p:cNvSpPr>
+          <p:nvPr>
+            <p:ph type="ctrTitle"/>
           </p:nvPr>
         </p:nvSpPr>
         <p:spPr bwMode="auto"/>
@@ -3567,29 +3513,23 @@
               <a:defRPr/>
             </a:pPr>
             <a:r>
-              <a:rPr sz="8000" b="1"/>
+              <a:rPr lang="ru-RU" sz="8000" b="1"/>
               <a:t>Как </a:t>
             </a:r>
-            <a:r>
-              <a:rPr sz="8000"/>
-              <a:t/>
-            </a:r>
-            <a:r>
-              <a:rPr sz="8000"/>
-              <a:t/>
-            </a:r>
-            <a:br/>
-            <a:r>
+            <a:br>
+              <a:rPr lang="ru-RU"/>
+            </a:br>
+            <a:r>
+              <a:rPr lang="ru-RU"/>
               <a:t>бросают</a:t>
             </a:r>
-            <a:endParaRPr/>
-          </a:p>
-          <a:p>
-            <a:pPr lvl="0">
-              <a:defRPr/>
-            </a:pPr>
-            <a:r>
-              <a:rPr sz="8000" b="0" i="0" u="none" strike="noStrike" cap="none">
+          </a:p>
+          <a:p>
+            <a:pPr lvl="0">
+              <a:defRPr/>
+            </a:pPr>
+            <a:r>
+              <a:rPr lang="ru-RU" sz="8000" b="0" i="0" u="none" strike="noStrike" cap="none">
                 <a:solidFill>
                   <a:schemeClr val="tx1"/>
                 </a:solidFill>
@@ -3597,7 +3537,7 @@
               </a:rPr>
               <a:t>вызов</a:t>
             </a:r>
-            <a:endParaRPr/>
+            <a:endParaRPr lang="ru-RU"/>
           </a:p>
         </p:txBody>
       </p:sp>
@@ -3606,13 +3546,13 @@
   <p:clrMapOvr>
     <a:masterClrMapping/>
   </p:clrMapOvr>
-  <mc:AlternateContent xmlns:mc="http://schemas.openxmlformats.org/markup-compatibility/2006">
-    <mc:Choice xmlns:p14="http://schemas.microsoft.com/office/powerpoint/2010/main" Requires="p14">
-      <p:transition spd="slow" p14:dur="2000" advClick="1" advTm="10000">
-        <p:fade thruBlk="0"/>
+  <mc:AlternateContent xmlns:mc="http://schemas.openxmlformats.org/markup-compatibility/2006" xmlns:p14="http://schemas.microsoft.com/office/powerpoint/2010/main">
+    <mc:Choice Requires="p14">
+      <p:transition spd="slow" p14:dur="2000" advTm="10000">
+        <p:fade/>
       </p:transition>
     </mc:Choice>
-    <mc:Fallback>
+    <mc:Fallback xmlns="">
       <p:transition spd="slow" advClick="1" advTm="10000">
         <p:fade thruBlk="0"/>
       </p:transition>
@@ -3622,21 +3562,22 @@
 </file>
 
 <file path=ppt/slides/slide2.xml><?xml version="1.0" encoding="utf-8"?>
-<p:sld xmlns:a="http://schemas.openxmlformats.org/drawingml/2006/main" xmlns:r="http://schemas.openxmlformats.org/officeDocument/2006/relationships" xmlns:p="http://schemas.openxmlformats.org/presentationml/2006/main" showMasterPhAnim="0" show="1">
-  <p:cSld name="">
+<p:sld xmlns:a="http://schemas.openxmlformats.org/drawingml/2006/main" xmlns:r="http://schemas.openxmlformats.org/officeDocument/2006/relationships" xmlns:p="http://schemas.openxmlformats.org/presentationml/2006/main" showMasterPhAnim="0">
+  <p:cSld>
     <p:bg>
-      <p:bgPr shadeToTitle="0">
+      <p:bgPr>
         <a:blipFill>
           <a:blip r:embed="rId3"/>
           <a:stretch/>
         </a:blipFill>
+        <a:effectLst/>
       </p:bgPr>
     </p:bg>
     <p:spTree>
       <p:nvGrpSpPr>
         <p:cNvPr id="1" name=""/>
         <p:cNvGrpSpPr/>
-        <p:nvPr isPhoto="0" userDrawn="0"/>
+        <p:nvPr/>
       </p:nvGrpSpPr>
       <p:grpSpPr bwMode="auto">
         <a:xfrm>
@@ -3649,13 +3590,15 @@
       <p:sp>
         <p:nvSpPr>
           <p:cNvPr id="4" name="Title 3"/>
-          <p:cNvSpPr/>
-          <p:nvPr isPhoto="0" userDrawn="0">
-            <p:ph type="title" hasCustomPrompt="0"/>
+          <p:cNvSpPr>
+            <a:spLocks noGrp="1"/>
+          </p:cNvSpPr>
+          <p:nvPr>
+            <p:ph type="title"/>
           </p:nvPr>
         </p:nvSpPr>
         <p:spPr bwMode="auto">
-          <a:xfrm rot="0" flipH="0" flipV="0">
+          <a:xfrm>
             <a:off x="2346279" y="1191599"/>
             <a:ext cx="6322520" cy="1724400"/>
           </a:xfrm>
@@ -3668,42 +3611,35 @@
               <a:defRPr/>
             </a:pPr>
             <a:r>
-              <a:rPr sz="5500" b="1"/>
+              <a:rPr lang="ru-RU" sz="5500" b="1"/>
               <a:t>Американские индейцы</a:t>
             </a:r>
-            <a:endParaRPr/>
-          </a:p>
-          <a:p>
-            <a:pPr lvl="0">
-              <a:defRPr/>
-            </a:pPr>
-            <a:r>
-              <a:rPr sz="5500" b="1" i="0" u="none" strike="noStrike" cap="none">
-                <a:solidFill>
-                  <a:schemeClr val="tx1"/>
-                </a:solidFill>
-                <a:latin typeface="Georgia"/>
-              </a:rPr>
-              <a:t/>
-            </a:r>
-            <a:r>
-              <a:rPr sz="4700"/>
+            <a:endParaRPr lang="ru-RU"/>
+          </a:p>
+          <a:p>
+            <a:pPr lvl="0">
+              <a:defRPr/>
+            </a:pPr>
+            <a:r>
+              <a:rPr lang="ru-RU" sz="4700"/>
               <a:t>(XVII век)</a:t>
             </a:r>
-            <a:endParaRPr/>
+            <a:endParaRPr lang="ru-RU"/>
           </a:p>
         </p:txBody>
       </p:sp>
       <p:sp>
         <p:nvSpPr>
           <p:cNvPr id="5" name="Text Placeholder 4"/>
-          <p:cNvSpPr/>
-          <p:nvPr isPhoto="0" userDrawn="0">
-            <p:ph type="body" idx="1" hasCustomPrompt="0"/>
+          <p:cNvSpPr>
+            <a:spLocks noGrp="1"/>
+          </p:cNvSpPr>
+          <p:nvPr>
+            <p:ph type="body" idx="1"/>
           </p:nvPr>
         </p:nvSpPr>
         <p:spPr bwMode="auto">
-          <a:xfrm flipH="0" flipV="0">
+          <a:xfrm>
             <a:off x="4044534" y="3888000"/>
             <a:ext cx="4775465" cy="2419200"/>
           </a:xfrm>
@@ -3716,20 +3652,15 @@
               <a:defRPr/>
             </a:pPr>
             <a:r>
-              <a:rPr/>
-              <a:t>клали томагавк </a:t>
-            </a:r>
-            <a:r>
-              <a:rPr/>
-              <a:t>на землю в лагере противника</a:t>
-            </a:r>
-            <a:endParaRPr/>
-          </a:p>
-          <a:p>
-            <a:pPr lvl="0">
-              <a:defRPr/>
-            </a:pPr>
-            <a:endParaRPr/>
+              <a:rPr lang="ru-RU"/>
+              <a:t>клали томагавк на землю в лагере противника</a:t>
+            </a:r>
+          </a:p>
+          <a:p>
+            <a:pPr lvl="0">
+              <a:defRPr/>
+            </a:pPr>
+            <a:endParaRPr lang="ru-RU"/>
           </a:p>
         </p:txBody>
       </p:sp>
@@ -3738,13 +3669,13 @@
   <p:clrMapOvr>
     <a:masterClrMapping/>
   </p:clrMapOvr>
-  <mc:AlternateContent xmlns:mc="http://schemas.openxmlformats.org/markup-compatibility/2006">
-    <mc:Choice xmlns:p14="http://schemas.microsoft.com/office/powerpoint/2010/main" Requires="p14">
-      <p:transition spd="slow" p14:dur="2000" advClick="1" advTm="10000">
-        <p:fade thruBlk="0"/>
+  <mc:AlternateContent xmlns:mc="http://schemas.openxmlformats.org/markup-compatibility/2006" xmlns:p14="http://schemas.microsoft.com/office/powerpoint/2010/main">
+    <mc:Choice Requires="p14">
+      <p:transition spd="slow" p14:dur="2000" advTm="10000">
+        <p:fade/>
       </p:transition>
     </mc:Choice>
-    <mc:Fallback>
+    <mc:Fallback xmlns="">
       <p:transition spd="slow" advClick="1" advTm="10000">
         <p:fade thruBlk="0"/>
       </p:transition>
@@ -3754,21 +3685,22 @@
 </file>
 
 <file path=ppt/slides/slide3.xml><?xml version="1.0" encoding="utf-8"?>
-<p:sld xmlns:a="http://schemas.openxmlformats.org/drawingml/2006/main" xmlns:r="http://schemas.openxmlformats.org/officeDocument/2006/relationships" xmlns:p="http://schemas.openxmlformats.org/presentationml/2006/main" showMasterPhAnim="0" show="1">
-  <p:cSld name="">
+<p:sld xmlns:a="http://schemas.openxmlformats.org/drawingml/2006/main" xmlns:r="http://schemas.openxmlformats.org/officeDocument/2006/relationships" xmlns:p="http://schemas.openxmlformats.org/presentationml/2006/main" showMasterPhAnim="0">
+  <p:cSld>
     <p:bg>
-      <p:bgPr shadeToTitle="0">
+      <p:bgPr>
         <a:blipFill>
           <a:blip r:embed="rId3"/>
           <a:stretch/>
         </a:blipFill>
+        <a:effectLst/>
       </p:bgPr>
     </p:bg>
     <p:spTree>
       <p:nvGrpSpPr>
         <p:cNvPr id="1" name=""/>
         <p:cNvGrpSpPr/>
-        <p:nvPr isPhoto="0" userDrawn="0"/>
+        <p:nvPr/>
       </p:nvGrpSpPr>
       <p:grpSpPr bwMode="auto">
         <a:xfrm>
@@ -3781,9 +3713,11 @@
       <p:sp>
         <p:nvSpPr>
           <p:cNvPr id="2" name="Title 1"/>
-          <p:cNvSpPr/>
-          <p:nvPr isPhoto="0" userDrawn="0">
-            <p:ph type="title" hasCustomPrompt="0"/>
+          <p:cNvSpPr>
+            <a:spLocks noGrp="1"/>
+          </p:cNvSpPr>
+          <p:nvPr>
+            <p:ph type="title"/>
           </p:nvPr>
         </p:nvSpPr>
         <p:spPr bwMode="auto"/>
@@ -3795,28 +3729,28 @@
               <a:defRPr/>
             </a:pPr>
             <a:r>
-              <a:rPr b="1"/>
-              <a:t/>
-            </a:r>
-            <a:r>
-              <a:rPr b="1"/>
+              <a:rPr lang="ru-RU" b="1"/>
               <a:t>Европейские рыцари</a:t>
             </a:r>
-            <a:br/>
-            <a:r>
-              <a:rPr sz="4800"/>
+            <a:br>
+              <a:rPr lang="ru-RU"/>
+            </a:br>
+            <a:r>
+              <a:rPr lang="ru-RU" sz="4800"/>
               <a:t>(XII-XVI века)</a:t>
             </a:r>
-            <a:endParaRPr/>
+            <a:endParaRPr lang="ru-RU"/>
           </a:p>
         </p:txBody>
       </p:sp>
       <p:sp>
         <p:nvSpPr>
           <p:cNvPr id="3" name="Text Placeholder 2"/>
-          <p:cNvSpPr/>
-          <p:nvPr isPhoto="0" userDrawn="0">
-            <p:ph type="body" idx="1" hasCustomPrompt="0"/>
+          <p:cNvSpPr>
+            <a:spLocks noGrp="1"/>
+          </p:cNvSpPr>
+          <p:nvPr>
+            <p:ph type="body" idx="1"/>
           </p:nvPr>
         </p:nvSpPr>
         <p:spPr bwMode="auto"/>
@@ -3828,16 +3762,15 @@
               <a:defRPr/>
             </a:pPr>
             <a:r>
-              <a:rPr/>
+              <a:rPr lang="ru-RU"/>
               <a:t>бросали перчатку в лицо сопернику</a:t>
             </a:r>
-            <a:endParaRPr/>
-          </a:p>
-          <a:p>
-            <a:pPr lvl="0">
-              <a:defRPr/>
-            </a:pPr>
-            <a:endParaRPr/>
+          </a:p>
+          <a:p>
+            <a:pPr lvl="0">
+              <a:defRPr/>
+            </a:pPr>
+            <a:endParaRPr lang="ru-RU"/>
           </a:p>
         </p:txBody>
       </p:sp>
@@ -3846,13 +3779,13 @@
   <p:clrMapOvr>
     <a:masterClrMapping/>
   </p:clrMapOvr>
-  <mc:AlternateContent xmlns:mc="http://schemas.openxmlformats.org/markup-compatibility/2006">
-    <mc:Choice xmlns:p14="http://schemas.microsoft.com/office/powerpoint/2010/main" Requires="p14">
-      <p:transition spd="slow" p14:dur="2000" advClick="1" advTm="10000">
-        <p:fade thruBlk="0"/>
+  <mc:AlternateContent xmlns:mc="http://schemas.openxmlformats.org/markup-compatibility/2006" xmlns:p14="http://schemas.microsoft.com/office/powerpoint/2010/main">
+    <mc:Choice Requires="p14">
+      <p:transition spd="slow" p14:dur="2000" advTm="10000">
+        <p:fade/>
       </p:transition>
     </mc:Choice>
-    <mc:Fallback>
+    <mc:Fallback xmlns="">
       <p:transition spd="slow" advClick="1" advTm="10000">
         <p:fade thruBlk="0"/>
       </p:transition>
@@ -3862,21 +3795,22 @@
 </file>
 
 <file path=ppt/slides/slide4.xml><?xml version="1.0" encoding="utf-8"?>
-<p:sld xmlns:a="http://schemas.openxmlformats.org/drawingml/2006/main" xmlns:r="http://schemas.openxmlformats.org/officeDocument/2006/relationships" xmlns:p="http://schemas.openxmlformats.org/presentationml/2006/main" showMasterPhAnim="0" show="1">
-  <p:cSld name="">
+<p:sld xmlns:a="http://schemas.openxmlformats.org/drawingml/2006/main" xmlns:r="http://schemas.openxmlformats.org/officeDocument/2006/relationships" xmlns:p="http://schemas.openxmlformats.org/presentationml/2006/main" showMasterPhAnim="0">
+  <p:cSld>
     <p:bg>
-      <p:bgPr shadeToTitle="0">
+      <p:bgPr>
         <a:blipFill>
           <a:blip r:embed="rId3"/>
           <a:stretch/>
         </a:blipFill>
+        <a:effectLst/>
       </p:bgPr>
     </p:bg>
     <p:spTree>
       <p:nvGrpSpPr>
         <p:cNvPr id="1" name=""/>
         <p:cNvGrpSpPr/>
-        <p:nvPr isPhoto="0" userDrawn="0"/>
+        <p:nvPr/>
       </p:nvGrpSpPr>
       <p:grpSpPr bwMode="auto">
         <a:xfrm>
@@ -3889,9 +3823,11 @@
       <p:sp>
         <p:nvSpPr>
           <p:cNvPr id="2" name="Title 1"/>
-          <p:cNvSpPr/>
-          <p:nvPr isPhoto="0" userDrawn="0">
-            <p:ph type="title" hasCustomPrompt="0"/>
+          <p:cNvSpPr>
+            <a:spLocks noGrp="1"/>
+          </p:cNvSpPr>
+          <p:nvPr>
+            <p:ph type="title"/>
           </p:nvPr>
         </p:nvSpPr>
         <p:spPr bwMode="auto">
@@ -3908,24 +3844,24 @@
               <a:defRPr/>
             </a:pPr>
             <a:r>
-              <a:rPr b="1"/>
-              <a:t/>
-            </a:r>
-            <a:r>
-              <a:rPr b="1"/>
+              <a:rPr lang="ru-RU" b="1"/>
               <a:t>Африканские племена йоруба</a:t>
             </a:r>
-            <a:br/>
-            <a:endParaRPr b="1"/>
+            <a:br>
+              <a:rPr lang="ru-RU"/>
+            </a:br>
+            <a:endParaRPr lang="ru-RU" b="1"/>
           </a:p>
         </p:txBody>
       </p:sp>
       <p:sp>
         <p:nvSpPr>
           <p:cNvPr id="3" name="Text Placeholder 2"/>
-          <p:cNvSpPr/>
-          <p:nvPr isPhoto="0" userDrawn="0">
-            <p:ph type="body" idx="1" hasCustomPrompt="0"/>
+          <p:cNvSpPr>
+            <a:spLocks noGrp="1"/>
+          </p:cNvSpPr>
+          <p:nvPr>
+            <p:ph type="body" idx="1"/>
           </p:nvPr>
         </p:nvSpPr>
         <p:spPr bwMode="auto"/>
@@ -3937,16 +3873,15 @@
               <a:defRPr/>
             </a:pPr>
             <a:r>
-              <a:rPr/>
+              <a:rPr lang="ru-RU"/>
               <a:t>посылали врагам одну раковину каури</a:t>
             </a:r>
-            <a:endParaRPr/>
-          </a:p>
-          <a:p>
-            <a:pPr lvl="0">
-              <a:defRPr/>
-            </a:pPr>
-            <a:endParaRPr/>
+          </a:p>
+          <a:p>
+            <a:pPr lvl="0">
+              <a:defRPr/>
+            </a:pPr>
+            <a:endParaRPr lang="ru-RU"/>
           </a:p>
         </p:txBody>
       </p:sp>
@@ -3955,13 +3890,13 @@
   <p:clrMapOvr>
     <a:masterClrMapping/>
   </p:clrMapOvr>
-  <mc:AlternateContent xmlns:mc="http://schemas.openxmlformats.org/markup-compatibility/2006">
-    <mc:Choice xmlns:p14="http://schemas.microsoft.com/office/powerpoint/2010/main" Requires="p14">
-      <p:transition spd="slow" p14:dur="2000" advClick="1" advTm="10000">
-        <p:fade thruBlk="0"/>
+  <mc:AlternateContent xmlns:mc="http://schemas.openxmlformats.org/markup-compatibility/2006" xmlns:p14="http://schemas.microsoft.com/office/powerpoint/2010/main">
+    <mc:Choice Requires="p14">
+      <p:transition spd="slow" p14:dur="2000" advTm="10000">
+        <p:fade/>
       </p:transition>
     </mc:Choice>
-    <mc:Fallback>
+    <mc:Fallback xmlns="">
       <p:transition spd="slow" advClick="1" advTm="10000">
         <p:fade thruBlk="0"/>
       </p:transition>
@@ -3971,21 +3906,22 @@
 </file>
 
 <file path=ppt/slides/slide5.xml><?xml version="1.0" encoding="utf-8"?>
-<p:sld xmlns:a="http://schemas.openxmlformats.org/drawingml/2006/main" xmlns:r="http://schemas.openxmlformats.org/officeDocument/2006/relationships" xmlns:p="http://schemas.openxmlformats.org/presentationml/2006/main" showMasterPhAnim="0" show="1">
-  <p:cSld name="">
+<p:sld xmlns:a="http://schemas.openxmlformats.org/drawingml/2006/main" xmlns:r="http://schemas.openxmlformats.org/officeDocument/2006/relationships" xmlns:p="http://schemas.openxmlformats.org/presentationml/2006/main" showMasterPhAnim="0">
+  <p:cSld>
     <p:bg>
-      <p:bgPr shadeToTitle="0">
+      <p:bgPr>
         <a:blipFill>
           <a:blip r:embed="rId3"/>
           <a:stretch/>
         </a:blipFill>
+        <a:effectLst/>
       </p:bgPr>
     </p:bg>
     <p:spTree>
       <p:nvGrpSpPr>
         <p:cNvPr id="1" name=""/>
         <p:cNvGrpSpPr/>
-        <p:nvPr isPhoto="0" userDrawn="0"/>
+        <p:nvPr/>
       </p:nvGrpSpPr>
       <p:grpSpPr bwMode="auto">
         <a:xfrm>
@@ -3998,9 +3934,11 @@
       <p:sp>
         <p:nvSpPr>
           <p:cNvPr id="2" name="Title 1"/>
-          <p:cNvSpPr/>
-          <p:nvPr isPhoto="0" userDrawn="0">
-            <p:ph type="title" hasCustomPrompt="0"/>
+          <p:cNvSpPr>
+            <a:spLocks noGrp="1"/>
+          </p:cNvSpPr>
+          <p:nvPr>
+            <p:ph type="title"/>
           </p:nvPr>
         </p:nvSpPr>
         <p:spPr bwMode="auto"/>
@@ -4012,32 +3950,32 @@
               <a:defRPr/>
             </a:pPr>
             <a:r>
-              <a:rPr b="1"/>
-              <a:t/>
-            </a:r>
-            <a:r>
-              <a:rPr b="1"/>
+              <a:rPr lang="ru-RU" b="1"/>
               <a:t>Английские джентльмены</a:t>
             </a:r>
-            <a:br/>
-            <a:r>
-              <a:rPr sz="4800"/>
+            <a:br>
+              <a:rPr lang="ru-RU"/>
+            </a:br>
+            <a:r>
+              <a:rPr lang="ru-RU" sz="4800"/>
               <a:t>(XVII век)</a:t>
             </a:r>
-            <a:endParaRPr/>
+            <a:endParaRPr lang="ru-RU"/>
           </a:p>
         </p:txBody>
       </p:sp>
       <p:sp>
         <p:nvSpPr>
           <p:cNvPr id="3" name="Text Placeholder 2"/>
-          <p:cNvSpPr/>
-          <p:nvPr isPhoto="0" userDrawn="0">
-            <p:ph type="body" idx="1" hasCustomPrompt="0"/>
+          <p:cNvSpPr>
+            <a:spLocks noGrp="1"/>
+          </p:cNvSpPr>
+          <p:nvPr>
+            <p:ph type="body" idx="1"/>
           </p:nvPr>
         </p:nvSpPr>
         <p:spPr bwMode="auto">
-          <a:xfrm rot="0" flipH="0" flipV="0">
+          <a:xfrm>
             <a:off x="2996046" y="3888000"/>
             <a:ext cx="5823952" cy="2419200"/>
           </a:xfrm>
@@ -4050,10 +3988,9 @@
               <a:defRPr/>
             </a:pPr>
             <a:r>
-              <a:rPr/>
+              <a:rPr lang="ru-RU"/>
               <a:t>отправляли вежливое письмо с вызовом на поединок</a:t>
             </a:r>
-            <a:endParaRPr/>
           </a:p>
         </p:txBody>
       </p:sp>
@@ -4062,13 +3999,13 @@
   <p:clrMapOvr>
     <a:masterClrMapping/>
   </p:clrMapOvr>
-  <mc:AlternateContent xmlns:mc="http://schemas.openxmlformats.org/markup-compatibility/2006">
-    <mc:Choice xmlns:p14="http://schemas.microsoft.com/office/powerpoint/2010/main" Requires="p14">
-      <p:transition spd="slow" p14:dur="2000" advClick="1" advTm="10000">
-        <p:fade thruBlk="0"/>
+  <mc:AlternateContent xmlns:mc="http://schemas.openxmlformats.org/markup-compatibility/2006" xmlns:p14="http://schemas.microsoft.com/office/powerpoint/2010/main">
+    <mc:Choice Requires="p14">
+      <p:transition spd="slow" p14:dur="2000" advTm="10000">
+        <p:fade/>
       </p:transition>
     </mc:Choice>
-    <mc:Fallback>
+    <mc:Fallback xmlns="">
       <p:transition spd="slow" advClick="1" advTm="10000">
         <p:fade thruBlk="0"/>
       </p:transition>
@@ -4078,21 +4015,22 @@
 </file>
 
 <file path=ppt/slides/slide6.xml><?xml version="1.0" encoding="utf-8"?>
-<p:sld xmlns:a="http://schemas.openxmlformats.org/drawingml/2006/main" xmlns:r="http://schemas.openxmlformats.org/officeDocument/2006/relationships" xmlns:p="http://schemas.openxmlformats.org/presentationml/2006/main" showMasterPhAnim="0" show="1">
-  <p:cSld name="">
+<p:sld xmlns:a="http://schemas.openxmlformats.org/drawingml/2006/main" xmlns:r="http://schemas.openxmlformats.org/officeDocument/2006/relationships" xmlns:p="http://schemas.openxmlformats.org/presentationml/2006/main" showMasterPhAnim="0">
+  <p:cSld>
     <p:bg>
-      <p:bgPr shadeToTitle="0">
+      <p:bgPr>
         <a:blipFill>
           <a:blip r:embed="rId3"/>
           <a:stretch/>
         </a:blipFill>
+        <a:effectLst/>
       </p:bgPr>
     </p:bg>
     <p:spTree>
       <p:nvGrpSpPr>
         <p:cNvPr id="1" name=""/>
         <p:cNvGrpSpPr/>
-        <p:nvPr isPhoto="0" userDrawn="0"/>
+        <p:nvPr/>
       </p:nvGrpSpPr>
       <p:grpSpPr bwMode="auto">
         <a:xfrm>
@@ -4105,9 +4043,11 @@
       <p:sp>
         <p:nvSpPr>
           <p:cNvPr id="2" name="Title 1"/>
-          <p:cNvSpPr/>
-          <p:nvPr isPhoto="0" userDrawn="0">
-            <p:ph type="title" hasCustomPrompt="0"/>
+          <p:cNvSpPr>
+            <a:spLocks noGrp="1"/>
+          </p:cNvSpPr>
+          <p:nvPr>
+            <p:ph type="title"/>
           </p:nvPr>
         </p:nvSpPr>
         <p:spPr bwMode="auto"/>
@@ -4119,36 +4059,32 @@
               <a:defRPr/>
             </a:pPr>
             <a:r>
-              <a:rPr sz="6000" b="1"/>
-              <a:t/>
-            </a:r>
-            <a:r>
-              <a:rPr sz="5400" b="1"/>
+              <a:rPr lang="ru-RU" sz="5400" b="1"/>
               <a:t>Японские самураи</a:t>
             </a:r>
-            <a:r>
-              <a:rPr sz="6000" b="1"/>
-              <a:t/>
-            </a:r>
-            <a:br/>
-            <a:r>
-              <a:rPr sz="4800"/>
+            <a:br>
+              <a:rPr lang="ru-RU"/>
+            </a:br>
+            <a:r>
+              <a:rPr lang="ru-RU" sz="4800"/>
               <a:t>(XII-XVII века)</a:t>
             </a:r>
-            <a:endParaRPr/>
+            <a:endParaRPr lang="ru-RU"/>
           </a:p>
         </p:txBody>
       </p:sp>
       <p:sp>
         <p:nvSpPr>
           <p:cNvPr id="3" name="Text Placeholder 2"/>
-          <p:cNvSpPr/>
-          <p:nvPr isPhoto="0" userDrawn="0">
-            <p:ph type="body" idx="1" hasCustomPrompt="0"/>
+          <p:cNvSpPr>
+            <a:spLocks noGrp="1"/>
+          </p:cNvSpPr>
+          <p:nvPr>
+            <p:ph type="body" idx="1"/>
           </p:nvPr>
         </p:nvSpPr>
         <p:spPr bwMode="auto">
-          <a:xfrm flipH="0" flipV="0">
+          <a:xfrm>
             <a:off x="2863139" y="3888000"/>
             <a:ext cx="5956860" cy="2029222"/>
           </a:xfrm>
@@ -4161,20 +4097,15 @@
               <a:defRPr/>
             </a:pPr>
             <a:r>
-              <a:rPr/>
-              <a:t>бряцали гардами </a:t>
-            </a:r>
-            <a:r>
-              <a:rPr/>
-              <a:t>о ножны, чтобы привлечь внимание противника</a:t>
-            </a:r>
-            <a:endParaRPr/>
-          </a:p>
-          <a:p>
-            <a:pPr lvl="0">
-              <a:defRPr/>
-            </a:pPr>
-            <a:endParaRPr/>
+              <a:rPr lang="ru-RU"/>
+              <a:t>бряцали гардами о ножны, чтобы привлечь внимание противника</a:t>
+            </a:r>
+          </a:p>
+          <a:p>
+            <a:pPr lvl="0">
+              <a:defRPr/>
+            </a:pPr>
+            <a:endParaRPr lang="ru-RU"/>
           </a:p>
         </p:txBody>
       </p:sp>
@@ -4183,13 +4114,13 @@
   <p:clrMapOvr>
     <a:masterClrMapping/>
   </p:clrMapOvr>
-  <mc:AlternateContent xmlns:mc="http://schemas.openxmlformats.org/markup-compatibility/2006">
-    <mc:Choice xmlns:p14="http://schemas.microsoft.com/office/powerpoint/2010/main" Requires="p14">
-      <p:transition spd="slow" p14:dur="2000" advClick="1" advTm="10000">
-        <p:fade thruBlk="0"/>
+  <mc:AlternateContent xmlns:mc="http://schemas.openxmlformats.org/markup-compatibility/2006" xmlns:p14="http://schemas.microsoft.com/office/powerpoint/2010/main">
+    <mc:Choice Requires="p14">
+      <p:transition spd="slow" p14:dur="2000" advTm="10000">
+        <p:fade/>
       </p:transition>
     </mc:Choice>
-    <mc:Fallback>
+    <mc:Fallback xmlns="">
       <p:transition spd="slow" advClick="1" advTm="10000">
         <p:fade thruBlk="0"/>
       </p:transition>
@@ -4199,21 +4130,22 @@
 </file>
 
 <file path=ppt/slides/slide7.xml><?xml version="1.0" encoding="utf-8"?>
-<p:sld xmlns:a="http://schemas.openxmlformats.org/drawingml/2006/main" xmlns:r="http://schemas.openxmlformats.org/officeDocument/2006/relationships" xmlns:p="http://schemas.openxmlformats.org/presentationml/2006/main" showMasterPhAnim="0" show="1">
-  <p:cSld name="">
+<p:sld xmlns:a="http://schemas.openxmlformats.org/drawingml/2006/main" xmlns:r="http://schemas.openxmlformats.org/officeDocument/2006/relationships" xmlns:p="http://schemas.openxmlformats.org/presentationml/2006/main" showMasterPhAnim="0">
+  <p:cSld>
     <p:bg>
-      <p:bgPr shadeToTitle="0">
+      <p:bgPr>
         <a:blipFill>
           <a:blip r:embed="rId3"/>
           <a:stretch/>
         </a:blipFill>
+        <a:effectLst/>
       </p:bgPr>
     </p:bg>
     <p:spTree>
       <p:nvGrpSpPr>
         <p:cNvPr id="1" name=""/>
         <p:cNvGrpSpPr/>
-        <p:nvPr isPhoto="0" userDrawn="0"/>
+        <p:nvPr/>
       </p:nvGrpSpPr>
       <p:grpSpPr bwMode="auto">
         <a:xfrm>
@@ -4226,9 +4158,11 @@
       <p:sp>
         <p:nvSpPr>
           <p:cNvPr id="2" name="Title 1"/>
-          <p:cNvSpPr/>
-          <p:nvPr isPhoto="0" userDrawn="0">
-            <p:ph type="title" hasCustomPrompt="0"/>
+          <p:cNvSpPr>
+            <a:spLocks noGrp="1"/>
+          </p:cNvSpPr>
+          <p:nvPr>
+            <p:ph type="title"/>
           </p:nvPr>
         </p:nvSpPr>
         <p:spPr bwMode="auto"/>
@@ -4240,36 +4174,32 @@
               <a:defRPr/>
             </a:pPr>
             <a:r>
-              <a:rPr sz="6000" b="1"/>
-              <a:t/>
-            </a:r>
-            <a:r>
-              <a:rPr sz="5400" b="1"/>
+              <a:rPr lang="ru-RU" sz="5400" b="1"/>
               <a:t>Офисный планктон</a:t>
             </a:r>
-            <a:r>
-              <a:rPr sz="6000" b="1"/>
-              <a:t/>
-            </a:r>
-            <a:br/>
-            <a:r>
-              <a:rPr sz="4800"/>
+            <a:br>
+              <a:rPr lang="ru-RU"/>
+            </a:br>
+            <a:r>
+              <a:rPr lang="ru-RU" sz="4800"/>
               <a:t>(XXI век)</a:t>
             </a:r>
-            <a:endParaRPr/>
+            <a:endParaRPr lang="ru-RU"/>
           </a:p>
         </p:txBody>
       </p:sp>
       <p:sp>
         <p:nvSpPr>
           <p:cNvPr id="3" name="Text Placeholder 2"/>
-          <p:cNvSpPr/>
-          <p:nvPr isPhoto="0" userDrawn="0">
-            <p:ph type="body" idx="1" hasCustomPrompt="0"/>
+          <p:cNvSpPr>
+            <a:spLocks noGrp="1"/>
+          </p:cNvSpPr>
+          <p:nvPr>
+            <p:ph type="body" idx="1"/>
           </p:nvPr>
         </p:nvSpPr>
         <p:spPr bwMode="auto">
-          <a:xfrm rot="0" flipH="0" flipV="0">
+          <a:xfrm>
             <a:off x="3180639" y="3888000"/>
             <a:ext cx="5639359" cy="2419200"/>
           </a:xfrm>
@@ -4282,20 +4212,16 @@
               <a:defRPr/>
             </a:pPr>
             <a:r>
-              <a:rPr sz="4200"/>
-              <a:t/>
-            </a:r>
-            <a:r>
-              <a:rPr sz="4000"/>
+              <a:rPr lang="ru-RU" sz="4000"/>
               <a:t>бросает вызов своим  конкурентам в теме электронного письма</a:t>
             </a:r>
-            <a:endParaRPr/>
-          </a:p>
-          <a:p>
-            <a:pPr lvl="0">
-              <a:defRPr/>
-            </a:pPr>
-            <a:endParaRPr sz="3600"/>
+            <a:endParaRPr lang="ru-RU"/>
+          </a:p>
+          <a:p>
+            <a:pPr lvl="0">
+              <a:defRPr/>
+            </a:pPr>
+            <a:endParaRPr lang="ru-RU" sz="3600"/>
           </a:p>
         </p:txBody>
       </p:sp>
@@ -4304,13 +4230,13 @@
   <p:clrMapOvr>
     <a:masterClrMapping/>
   </p:clrMapOvr>
-  <mc:AlternateContent xmlns:mc="http://schemas.openxmlformats.org/markup-compatibility/2006">
-    <mc:Choice xmlns:p14="http://schemas.microsoft.com/office/powerpoint/2010/main" Requires="p14">
-      <p:transition spd="slow" p14:dur="2000" advClick="1" advTm="10000">
-        <p:fade thruBlk="0"/>
+  <mc:AlternateContent xmlns:mc="http://schemas.openxmlformats.org/markup-compatibility/2006" xmlns:p14="http://schemas.microsoft.com/office/powerpoint/2010/main">
+    <mc:Choice Requires="p14">
+      <p:transition spd="slow" p14:dur="2000" advTm="10000">
+        <p:fade/>
       </p:transition>
     </mc:Choice>
-    <mc:Fallback>
+    <mc:Fallback xmlns="">
       <p:transition spd="slow" advClick="1" advTm="10000">
         <p:fade thruBlk="0"/>
       </p:transition>
@@ -4320,13 +4246,13 @@
 </file>
 
 <file path=ppt/slides/slide8.xml><?xml version="1.0" encoding="utf-8"?>
-<p:sld xmlns:a="http://schemas.openxmlformats.org/drawingml/2006/main" xmlns:r="http://schemas.openxmlformats.org/officeDocument/2006/relationships" xmlns:p="http://schemas.openxmlformats.org/presentationml/2006/main" showMasterPhAnim="0" show="1">
-  <p:cSld name="">
+<p:sld xmlns:a="http://schemas.openxmlformats.org/drawingml/2006/main" xmlns:r="http://schemas.openxmlformats.org/officeDocument/2006/relationships" xmlns:p="http://schemas.openxmlformats.org/presentationml/2006/main" showMasterPhAnim="0">
+  <p:cSld>
     <p:spTree>
       <p:nvGrpSpPr>
         <p:cNvPr id="1" name=""/>
         <p:cNvGrpSpPr/>
-        <p:nvPr isPhoto="0" userDrawn="0"/>
+        <p:nvPr/>
       </p:nvGrpSpPr>
       <p:grpSpPr bwMode="auto">
         <a:xfrm>
@@ -4339,9 +4265,11 @@
       <p:sp>
         <p:nvSpPr>
           <p:cNvPr id="4" name="Title 3"/>
-          <p:cNvSpPr/>
-          <p:nvPr isPhoto="0" userDrawn="0">
-            <p:ph type="title" hasCustomPrompt="0"/>
+          <p:cNvSpPr>
+            <a:spLocks noGrp="1"/>
+          </p:cNvSpPr>
+          <p:nvPr>
+            <p:ph type="title"/>
           </p:nvPr>
         </p:nvSpPr>
         <p:spPr bwMode="auto">
@@ -4358,35 +4286,27 @@
               <a:defRPr/>
             </a:pPr>
             <a:r>
-              <a:rPr sz="8800"/>
-              <a:t/>
-            </a:r>
-            <a:r>
-              <a:rPr sz="8800"/>
+              <a:rPr lang="ru-RU" sz="8800"/>
               <a:t>ONLYOFFICE </a:t>
             </a:r>
-            <a:r>
-              <a:rPr/>
-              <a:t/>
-            </a:r>
-            <a:r>
-              <a:rPr/>
-              <a:t/>
-            </a:r>
-            <a:br/>
-            <a:r>
+            <a:br>
+              <a:rPr lang="ru-RU"/>
+            </a:br>
+            <a:r>
+              <a:rPr lang="ru-RU"/>
               <a:t>выступает за мир</a:t>
             </a:r>
-            <a:endParaRPr/>
           </a:p>
         </p:txBody>
       </p:sp>
       <p:sp>
         <p:nvSpPr>
           <p:cNvPr id="5" name="Content Placeholder 4"/>
-          <p:cNvSpPr/>
-          <p:nvPr isPhoto="0" userDrawn="0">
-            <p:ph idx="1" hasCustomPrompt="0"/>
+          <p:cNvSpPr>
+            <a:spLocks noGrp="1"/>
+          </p:cNvSpPr>
+          <p:nvPr>
+            <p:ph idx="1"/>
           </p:nvPr>
         </p:nvSpPr>
         <p:spPr bwMode="auto">
@@ -4421,13 +4341,13 @@
   <p:clrMapOvr>
     <a:masterClrMapping/>
   </p:clrMapOvr>
-  <mc:AlternateContent xmlns:mc="http://schemas.openxmlformats.org/markup-compatibility/2006">
-    <mc:Choice xmlns:p14="http://schemas.microsoft.com/office/powerpoint/2010/main" Requires="p14">
-      <p:transition spd="slow" p14:dur="2000" advClick="1" advTm="10000">
-        <p:fade thruBlk="0"/>
+  <mc:AlternateContent xmlns:mc="http://schemas.openxmlformats.org/markup-compatibility/2006" xmlns:p14="http://schemas.microsoft.com/office/powerpoint/2010/main">
+    <mc:Choice Requires="p14">
+      <p:transition spd="slow" p14:dur="2000" advTm="10000">
+        <p:fade/>
       </p:transition>
     </mc:Choice>
-    <mc:Fallback>
+    <mc:Fallback xmlns="">
       <p:transition spd="slow" advClick="1" advTm="10000">
         <p:fade thruBlk="0"/>
       </p:transition>
@@ -4437,7 +4357,7 @@
 </file>
 
 <file path=ppt/theme/theme1.xml><?xml version="1.0" encoding="utf-8"?>
-<a:theme xmlns:a="http://schemas.openxmlformats.org/drawingml/2006/main" xmlns:r="http://schemas.openxmlformats.org/officeDocument/2006/relationships" xmlns:p="http://schemas.openxmlformats.org/presentationml/2006/main" name="Office Theme">
+<a:theme xmlns:a="http://schemas.openxmlformats.org/drawingml/2006/main" name="Office Theme">
   <a:themeElements>
     <a:clrScheme name="Custom 9">
       <a:dk1>
@@ -4637,6 +4557,7 @@
     </a:fmtScheme>
   </a:themeElements>
   <a:objectDefaults/>
+  <a:extraClrSchemeLst/>
 </a:theme>
 </file>
 
